--- a/docs/images/connectsense-spc-architecture-diagram.pptx
+++ b/docs/images/connectsense-spc-architecture-diagram.pptx
@@ -260,7 +260,7 @@
           <a:p>
             <a:fld id="{B254F3FA-2CD2-47E1-9871-C6CD92049798}" type="datetimeFigureOut">
               <a:rPr lang="en-US" smtClean="0"/>
-              <a:t>3/17/2021</a:t>
+              <a:t>11/12/21</a:t>
             </a:fld>
             <a:endParaRPr lang="en-US" dirty="0"/>
           </a:p>
@@ -458,7 +458,7 @@
           <a:p>
             <a:fld id="{B254F3FA-2CD2-47E1-9871-C6CD92049798}" type="datetimeFigureOut">
               <a:rPr lang="en-US" smtClean="0"/>
-              <a:t>3/17/2021</a:t>
+              <a:t>11/12/21</a:t>
             </a:fld>
             <a:endParaRPr lang="en-US" dirty="0"/>
           </a:p>
@@ -666,7 +666,7 @@
           <a:p>
             <a:fld id="{B254F3FA-2CD2-47E1-9871-C6CD92049798}" type="datetimeFigureOut">
               <a:rPr lang="en-US" smtClean="0"/>
-              <a:t>3/17/2021</a:t>
+              <a:t>11/12/21</a:t>
             </a:fld>
             <a:endParaRPr lang="en-US" dirty="0"/>
           </a:p>
@@ -864,7 +864,7 @@
           <a:p>
             <a:fld id="{B254F3FA-2CD2-47E1-9871-C6CD92049798}" type="datetimeFigureOut">
               <a:rPr lang="en-US" smtClean="0"/>
-              <a:t>3/17/2021</a:t>
+              <a:t>11/12/21</a:t>
             </a:fld>
             <a:endParaRPr lang="en-US" dirty="0"/>
           </a:p>
@@ -1139,7 +1139,7 @@
           <a:p>
             <a:fld id="{B254F3FA-2CD2-47E1-9871-C6CD92049798}" type="datetimeFigureOut">
               <a:rPr lang="en-US" smtClean="0"/>
-              <a:t>3/17/2021</a:t>
+              <a:t>11/12/21</a:t>
             </a:fld>
             <a:endParaRPr lang="en-US" dirty="0"/>
           </a:p>
@@ -1404,7 +1404,7 @@
           <a:p>
             <a:fld id="{B254F3FA-2CD2-47E1-9871-C6CD92049798}" type="datetimeFigureOut">
               <a:rPr lang="en-US" smtClean="0"/>
-              <a:t>3/17/2021</a:t>
+              <a:t>11/12/21</a:t>
             </a:fld>
             <a:endParaRPr lang="en-US" dirty="0"/>
           </a:p>
@@ -1816,7 +1816,7 @@
           <a:p>
             <a:fld id="{B254F3FA-2CD2-47E1-9871-C6CD92049798}" type="datetimeFigureOut">
               <a:rPr lang="en-US" smtClean="0"/>
-              <a:t>3/17/2021</a:t>
+              <a:t>11/12/21</a:t>
             </a:fld>
             <a:endParaRPr lang="en-US" dirty="0"/>
           </a:p>
@@ -1957,7 +1957,7 @@
           <a:p>
             <a:fld id="{B254F3FA-2CD2-47E1-9871-C6CD92049798}" type="datetimeFigureOut">
               <a:rPr lang="en-US" smtClean="0"/>
-              <a:t>3/17/2021</a:t>
+              <a:t>11/12/21</a:t>
             </a:fld>
             <a:endParaRPr lang="en-US" dirty="0"/>
           </a:p>
@@ -2070,7 +2070,7 @@
           <a:p>
             <a:fld id="{B254F3FA-2CD2-47E1-9871-C6CD92049798}" type="datetimeFigureOut">
               <a:rPr lang="en-US" smtClean="0"/>
-              <a:t>3/17/2021</a:t>
+              <a:t>11/12/21</a:t>
             </a:fld>
             <a:endParaRPr lang="en-US" dirty="0"/>
           </a:p>
@@ -2381,7 +2381,7 @@
           <a:p>
             <a:fld id="{B254F3FA-2CD2-47E1-9871-C6CD92049798}" type="datetimeFigureOut">
               <a:rPr lang="en-US" smtClean="0"/>
-              <a:t>3/17/2021</a:t>
+              <a:t>11/12/21</a:t>
             </a:fld>
             <a:endParaRPr lang="en-US" dirty="0"/>
           </a:p>
@@ -2669,7 +2669,7 @@
           <a:p>
             <a:fld id="{B254F3FA-2CD2-47E1-9871-C6CD92049798}" type="datetimeFigureOut">
               <a:rPr lang="en-US" smtClean="0"/>
-              <a:t>3/17/2021</a:t>
+              <a:t>11/12/21</a:t>
             </a:fld>
             <a:endParaRPr lang="en-US" dirty="0"/>
           </a:p>
@@ -2910,7 +2910,7 @@
           <a:p>
             <a:fld id="{B254F3FA-2CD2-47E1-9871-C6CD92049798}" type="datetimeFigureOut">
               <a:rPr lang="en-US" smtClean="0"/>
-              <a:t>3/17/2021</a:t>
+              <a:t>11/12/21</a:t>
             </a:fld>
             <a:endParaRPr lang="en-US" dirty="0"/>
           </a:p>
@@ -5517,7 +5517,7 @@
           <a:blip r:embed="rId8">
             <a:extLst>
               <a:ext uri="{96DAC541-7B7A-43D3-8B79-37D633B846F1}">
-                <asvg:svgBlip xmlns:asvg="http://schemas.microsoft.com/office/drawing/2016/SVG/main" xmlns="" r:embed="rId9"/>
+                <asvg:svgBlip xmlns:asvg="http://schemas.microsoft.com/office/drawing/2016/SVG/main" r:embed="rId9"/>
               </a:ext>
             </a:extLst>
           </a:blip>
@@ -6659,7 +6659,7 @@
           <a:p>
             <a:pPr algn="ctr" eaLnBrk="1" hangingPunct="1"/>
             <a:r>
-              <a:rPr lang="en-US" altLang="en-US" sz="1200" dirty="0" smtClean="0">
+              <a:rPr lang="en-US" altLang="en-US" sz="1200" dirty="0">
                 <a:latin typeface="Arial" panose="020B0604020202020204" pitchFamily="34" charset="0"/>
                 <a:ea typeface="Amazon Ember" panose="020B0603020204020204" pitchFamily="34" charset="0"/>
                 <a:cs typeface="Arial" panose="020B0604020202020204" pitchFamily="34" charset="0"/>
@@ -6670,20 +6670,454 @@
           <a:p>
             <a:pPr algn="ctr" eaLnBrk="1" hangingPunct="1"/>
             <a:r>
-              <a:rPr lang="en-US" altLang="en-US" sz="1200" dirty="0" smtClean="0">
+              <a:rPr lang="en-US" altLang="en-US" sz="1200" dirty="0">
                 <a:latin typeface="Arial" panose="020B0604020202020204" pitchFamily="34" charset="0"/>
                 <a:ea typeface="Amazon Ember" panose="020B0603020204020204" pitchFamily="34" charset="0"/>
                 <a:cs typeface="Arial" panose="020B0604020202020204" pitchFamily="34" charset="0"/>
               </a:rPr>
-              <a:t>Smart </a:t>
+              <a:t>Smart Power Cord for AWS</a:t>
             </a:r>
+          </a:p>
+        </p:txBody>
+      </p:sp>
+      <p:pic>
+        <p:nvPicPr>
+          <p:cNvPr id="39" name="Graphic 22">
+            <a:extLst>
+              <a:ext uri="{FF2B5EF4-FFF2-40B4-BE49-F238E27FC236}">
+                <a16:creationId xmlns:a16="http://schemas.microsoft.com/office/drawing/2014/main" id="{CA7DA525-A296-1947-AFFA-8D21E6F3BB95}"/>
+              </a:ext>
+            </a:extLst>
+          </p:cNvPr>
+          <p:cNvPicPr>
+            <a:picLocks noChangeAspect="1" noChangeArrowheads="1"/>
+          </p:cNvPicPr>
+          <p:nvPr/>
+        </p:nvPicPr>
+        <p:blipFill>
+          <a:blip r:embed="rId12">
+            <a:extLst>
+              <a:ext uri="{28A0092B-C50C-407E-A947-70E740481C1C}">
+                <a14:useLocalDpi xmlns:a14="http://schemas.microsoft.com/office/drawing/2010/main" val="0"/>
+              </a:ext>
+            </a:extLst>
+          </a:blip>
+          <a:srcRect/>
+          <a:stretch>
+            <a:fillRect/>
+          </a:stretch>
+        </p:blipFill>
+        <p:spPr bwMode="auto">
+          <a:xfrm>
+            <a:off x="10479401" y="1747817"/>
+            <a:ext cx="762000" cy="762000"/>
+          </a:xfrm>
+          <a:prstGeom prst="rect">
+            <a:avLst/>
+          </a:prstGeom>
+          <a:noFill/>
+          <a:ln>
+            <a:noFill/>
+          </a:ln>
+          <a:extLst>
+            <a:ext uri="{909E8E84-426E-40DD-AFC4-6F175D3DCCD1}">
+              <a14:hiddenFill xmlns:a14="http://schemas.microsoft.com/office/drawing/2010/main">
+                <a:solidFill>
+                  <a:srgbClr val="FFFFFF"/>
+                </a:solidFill>
+              </a14:hiddenFill>
+            </a:ext>
+            <a:ext uri="{91240B29-F687-4F45-9708-019B960494DF}">
+              <a14:hiddenLine xmlns:a14="http://schemas.microsoft.com/office/drawing/2010/main" w="9525">
+                <a:solidFill>
+                  <a:srgbClr val="000000"/>
+                </a:solidFill>
+                <a:miter lim="800000"/>
+                <a:headEnd/>
+                <a:tailEnd/>
+              </a14:hiddenLine>
+            </a:ext>
+          </a:extLst>
+        </p:spPr>
+      </p:pic>
+      <p:sp>
+        <p:nvSpPr>
+          <p:cNvPr id="40" name="TextBox 15">
+            <a:extLst>
+              <a:ext uri="{FF2B5EF4-FFF2-40B4-BE49-F238E27FC236}">
+                <a16:creationId xmlns:a16="http://schemas.microsoft.com/office/drawing/2014/main" id="{D28CE1FB-FAC4-B843-B321-553E3993DAA8}"/>
+              </a:ext>
+            </a:extLst>
+          </p:cNvPr>
+          <p:cNvSpPr txBox="1">
+            <a:spLocks noChangeArrowheads="1"/>
+          </p:cNvSpPr>
+          <p:nvPr/>
+        </p:nvSpPr>
+        <p:spPr bwMode="auto">
+          <a:xfrm>
+            <a:off x="9765026" y="2509817"/>
+            <a:ext cx="2201863" cy="276999"/>
+          </a:xfrm>
+          <a:prstGeom prst="rect">
+            <a:avLst/>
+          </a:prstGeom>
+          <a:noFill/>
+          <a:ln>
+            <a:noFill/>
+          </a:ln>
+          <a:extLst>
+            <a:ext uri="{909E8E84-426E-40DD-AFC4-6F175D3DCCD1}">
+              <a14:hiddenFill xmlns:a14="http://schemas.microsoft.com/office/drawing/2010/main">
+                <a:solidFill>
+                  <a:srgbClr val="FFFFFF"/>
+                </a:solidFill>
+              </a14:hiddenFill>
+            </a:ext>
+            <a:ext uri="{91240B29-F687-4F45-9708-019B960494DF}">
+              <a14:hiddenLine xmlns:a14="http://schemas.microsoft.com/office/drawing/2010/main" w="9525">
+                <a:solidFill>
+                  <a:srgbClr val="000000"/>
+                </a:solidFill>
+                <a:miter lim="800000"/>
+                <a:headEnd/>
+                <a:tailEnd/>
+              </a14:hiddenLine>
+            </a:ext>
+          </a:extLst>
+        </p:spPr>
+        <p:txBody>
+          <a:bodyPr>
+            <a:spAutoFit/>
+          </a:bodyPr>
+          <a:lstStyle>
+            <a:lvl1pPr>
+              <a:defRPr>
+                <a:solidFill>
+                  <a:schemeClr val="tx1"/>
+                </a:solidFill>
+                <a:latin typeface="Calibri" panose="020F0502020204030204" pitchFamily="34" charset="0"/>
+              </a:defRPr>
+            </a:lvl1pPr>
+            <a:lvl2pPr marL="742950" indent="-285750">
+              <a:defRPr>
+                <a:solidFill>
+                  <a:schemeClr val="tx1"/>
+                </a:solidFill>
+                <a:latin typeface="Calibri" panose="020F0502020204030204" pitchFamily="34" charset="0"/>
+              </a:defRPr>
+            </a:lvl2pPr>
+            <a:lvl3pPr marL="1143000" indent="-228600">
+              <a:defRPr>
+                <a:solidFill>
+                  <a:schemeClr val="tx1"/>
+                </a:solidFill>
+                <a:latin typeface="Calibri" panose="020F0502020204030204" pitchFamily="34" charset="0"/>
+              </a:defRPr>
+            </a:lvl3pPr>
+            <a:lvl4pPr marL="1600200" indent="-228600">
+              <a:defRPr>
+                <a:solidFill>
+                  <a:schemeClr val="tx1"/>
+                </a:solidFill>
+                <a:latin typeface="Calibri" panose="020F0502020204030204" pitchFamily="34" charset="0"/>
+              </a:defRPr>
+            </a:lvl4pPr>
+            <a:lvl5pPr marL="2057400" indent="-228600">
+              <a:defRPr>
+                <a:solidFill>
+                  <a:schemeClr val="tx1"/>
+                </a:solidFill>
+                <a:latin typeface="Calibri" panose="020F0502020204030204" pitchFamily="34" charset="0"/>
+              </a:defRPr>
+            </a:lvl5pPr>
+            <a:lvl6pPr marL="2514600" indent="-228600" eaLnBrk="0" fontAlgn="base" hangingPunct="0">
+              <a:spcBef>
+                <a:spcPct val="0"/>
+              </a:spcBef>
+              <a:spcAft>
+                <a:spcPct val="0"/>
+              </a:spcAft>
+              <a:defRPr>
+                <a:solidFill>
+                  <a:schemeClr val="tx1"/>
+                </a:solidFill>
+                <a:latin typeface="Calibri" panose="020F0502020204030204" pitchFamily="34" charset="0"/>
+              </a:defRPr>
+            </a:lvl6pPr>
+            <a:lvl7pPr marL="2971800" indent="-228600" eaLnBrk="0" fontAlgn="base" hangingPunct="0">
+              <a:spcBef>
+                <a:spcPct val="0"/>
+              </a:spcBef>
+              <a:spcAft>
+                <a:spcPct val="0"/>
+              </a:spcAft>
+              <a:defRPr>
+                <a:solidFill>
+                  <a:schemeClr val="tx1"/>
+                </a:solidFill>
+                <a:latin typeface="Calibri" panose="020F0502020204030204" pitchFamily="34" charset="0"/>
+              </a:defRPr>
+            </a:lvl7pPr>
+            <a:lvl8pPr marL="3429000" indent="-228600" eaLnBrk="0" fontAlgn="base" hangingPunct="0">
+              <a:spcBef>
+                <a:spcPct val="0"/>
+              </a:spcBef>
+              <a:spcAft>
+                <a:spcPct val="0"/>
+              </a:spcAft>
+              <a:defRPr>
+                <a:solidFill>
+                  <a:schemeClr val="tx1"/>
+                </a:solidFill>
+                <a:latin typeface="Calibri" panose="020F0502020204030204" pitchFamily="34" charset="0"/>
+              </a:defRPr>
+            </a:lvl8pPr>
+            <a:lvl9pPr marL="3886200" indent="-228600" eaLnBrk="0" fontAlgn="base" hangingPunct="0">
+              <a:spcBef>
+                <a:spcPct val="0"/>
+              </a:spcBef>
+              <a:spcAft>
+                <a:spcPct val="0"/>
+              </a:spcAft>
+              <a:defRPr>
+                <a:solidFill>
+                  <a:schemeClr val="tx1"/>
+                </a:solidFill>
+                <a:latin typeface="Calibri" panose="020F0502020204030204" pitchFamily="34" charset="0"/>
+              </a:defRPr>
+            </a:lvl9pPr>
+          </a:lstStyle>
+          <a:p>
+            <a:pPr algn="ctr" eaLnBrk="1" hangingPunct="1"/>
             <a:r>
               <a:rPr lang="en-US" altLang="en-US" sz="1200" dirty="0">
                 <a:latin typeface="Arial" panose="020B0604020202020204" pitchFamily="34" charset="0"/>
                 <a:ea typeface="Amazon Ember" panose="020B0603020204020204" pitchFamily="34" charset="0"/>
                 <a:cs typeface="Arial" panose="020B0604020202020204" pitchFamily="34" charset="0"/>
               </a:rPr>
-              <a:t>Power Cord for AWS</a:t>
+              <a:t>Amazon SageMaker</a:t>
+            </a:r>
+          </a:p>
+        </p:txBody>
+      </p:sp>
+      <p:pic>
+        <p:nvPicPr>
+          <p:cNvPr id="47" name="Graphic 17">
+            <a:extLst>
+              <a:ext uri="{FF2B5EF4-FFF2-40B4-BE49-F238E27FC236}">
+                <a16:creationId xmlns:a16="http://schemas.microsoft.com/office/drawing/2014/main" id="{735D0DCB-9E4C-F94F-8C80-313E2947B589}"/>
+              </a:ext>
+            </a:extLst>
+          </p:cNvPr>
+          <p:cNvPicPr>
+            <a:picLocks noChangeAspect="1" noChangeArrowheads="1"/>
+          </p:cNvPicPr>
+          <p:nvPr/>
+        </p:nvPicPr>
+        <p:blipFill>
+          <a:blip r:embed="rId13">
+            <a:extLst>
+              <a:ext uri="{28A0092B-C50C-407E-A947-70E740481C1C}">
+                <a14:useLocalDpi xmlns:a14="http://schemas.microsoft.com/office/drawing/2010/main" val="0"/>
+              </a:ext>
+            </a:extLst>
+          </a:blip>
+          <a:srcRect/>
+          <a:stretch>
+            <a:fillRect/>
+          </a:stretch>
+        </p:blipFill>
+        <p:spPr bwMode="auto">
+          <a:xfrm>
+            <a:off x="10515867" y="3121934"/>
+            <a:ext cx="762000" cy="762000"/>
+          </a:xfrm>
+          <a:prstGeom prst="rect">
+            <a:avLst/>
+          </a:prstGeom>
+          <a:noFill/>
+          <a:ln>
+            <a:noFill/>
+          </a:ln>
+          <a:extLst>
+            <a:ext uri="{909E8E84-426E-40DD-AFC4-6F175D3DCCD1}">
+              <a14:hiddenFill xmlns:a14="http://schemas.microsoft.com/office/drawing/2010/main">
+                <a:solidFill>
+                  <a:srgbClr val="FFFFFF"/>
+                </a:solidFill>
+              </a14:hiddenFill>
+            </a:ext>
+            <a:ext uri="{91240B29-F687-4F45-9708-019B960494DF}">
+              <a14:hiddenLine xmlns:a14="http://schemas.microsoft.com/office/drawing/2010/main" w="9525">
+                <a:solidFill>
+                  <a:srgbClr val="000000"/>
+                </a:solidFill>
+                <a:miter lim="800000"/>
+                <a:headEnd/>
+                <a:tailEnd/>
+              </a14:hiddenLine>
+            </a:ext>
+          </a:extLst>
+        </p:spPr>
+      </p:pic>
+      <p:sp>
+        <p:nvSpPr>
+          <p:cNvPr id="48" name="TextBox 11">
+            <a:extLst>
+              <a:ext uri="{FF2B5EF4-FFF2-40B4-BE49-F238E27FC236}">
+                <a16:creationId xmlns:a16="http://schemas.microsoft.com/office/drawing/2014/main" id="{8CAEC6B7-4CBB-9D4C-A510-B34248B411F9}"/>
+              </a:ext>
+            </a:extLst>
+          </p:cNvPr>
+          <p:cNvSpPr txBox="1">
+            <a:spLocks noChangeArrowheads="1"/>
+          </p:cNvSpPr>
+          <p:nvPr/>
+        </p:nvSpPr>
+        <p:spPr bwMode="auto">
+          <a:xfrm>
+            <a:off x="9757042" y="3885521"/>
+            <a:ext cx="2292350" cy="276999"/>
+          </a:xfrm>
+          <a:prstGeom prst="rect">
+            <a:avLst/>
+          </a:prstGeom>
+          <a:noFill/>
+          <a:ln>
+            <a:noFill/>
+          </a:ln>
+          <a:extLst>
+            <a:ext uri="{909E8E84-426E-40DD-AFC4-6F175D3DCCD1}">
+              <a14:hiddenFill xmlns:a14="http://schemas.microsoft.com/office/drawing/2010/main">
+                <a:solidFill>
+                  <a:srgbClr val="FFFFFF"/>
+                </a:solidFill>
+              </a14:hiddenFill>
+            </a:ext>
+            <a:ext uri="{91240B29-F687-4F45-9708-019B960494DF}">
+              <a14:hiddenLine xmlns:a14="http://schemas.microsoft.com/office/drawing/2010/main" w="9525">
+                <a:solidFill>
+                  <a:srgbClr val="000000"/>
+                </a:solidFill>
+                <a:miter lim="800000"/>
+                <a:headEnd/>
+                <a:tailEnd/>
+              </a14:hiddenLine>
+            </a:ext>
+          </a:extLst>
+        </p:spPr>
+        <p:txBody>
+          <a:bodyPr>
+            <a:spAutoFit/>
+          </a:bodyPr>
+          <a:lstStyle>
+            <a:lvl1pPr>
+              <a:defRPr>
+                <a:solidFill>
+                  <a:schemeClr val="tx1"/>
+                </a:solidFill>
+                <a:latin typeface="Calibri" panose="020F0502020204030204" pitchFamily="34" charset="0"/>
+              </a:defRPr>
+            </a:lvl1pPr>
+            <a:lvl2pPr marL="742950" indent="-285750">
+              <a:defRPr>
+                <a:solidFill>
+                  <a:schemeClr val="tx1"/>
+                </a:solidFill>
+                <a:latin typeface="Calibri" panose="020F0502020204030204" pitchFamily="34" charset="0"/>
+              </a:defRPr>
+            </a:lvl2pPr>
+            <a:lvl3pPr marL="1143000" indent="-228600">
+              <a:defRPr>
+                <a:solidFill>
+                  <a:schemeClr val="tx1"/>
+                </a:solidFill>
+                <a:latin typeface="Calibri" panose="020F0502020204030204" pitchFamily="34" charset="0"/>
+              </a:defRPr>
+            </a:lvl3pPr>
+            <a:lvl4pPr marL="1600200" indent="-228600">
+              <a:defRPr>
+                <a:solidFill>
+                  <a:schemeClr val="tx1"/>
+                </a:solidFill>
+                <a:latin typeface="Calibri" panose="020F0502020204030204" pitchFamily="34" charset="0"/>
+              </a:defRPr>
+            </a:lvl4pPr>
+            <a:lvl5pPr marL="2057400" indent="-228600">
+              <a:defRPr>
+                <a:solidFill>
+                  <a:schemeClr val="tx1"/>
+                </a:solidFill>
+                <a:latin typeface="Calibri" panose="020F0502020204030204" pitchFamily="34" charset="0"/>
+              </a:defRPr>
+            </a:lvl5pPr>
+            <a:lvl6pPr marL="2514600" indent="-228600" eaLnBrk="0" fontAlgn="base" hangingPunct="0">
+              <a:spcBef>
+                <a:spcPct val="0"/>
+              </a:spcBef>
+              <a:spcAft>
+                <a:spcPct val="0"/>
+              </a:spcAft>
+              <a:defRPr>
+                <a:solidFill>
+                  <a:schemeClr val="tx1"/>
+                </a:solidFill>
+                <a:latin typeface="Calibri" panose="020F0502020204030204" pitchFamily="34" charset="0"/>
+              </a:defRPr>
+            </a:lvl6pPr>
+            <a:lvl7pPr marL="2971800" indent="-228600" eaLnBrk="0" fontAlgn="base" hangingPunct="0">
+              <a:spcBef>
+                <a:spcPct val="0"/>
+              </a:spcBef>
+              <a:spcAft>
+                <a:spcPct val="0"/>
+              </a:spcAft>
+              <a:defRPr>
+                <a:solidFill>
+                  <a:schemeClr val="tx1"/>
+                </a:solidFill>
+                <a:latin typeface="Calibri" panose="020F0502020204030204" pitchFamily="34" charset="0"/>
+              </a:defRPr>
+            </a:lvl7pPr>
+            <a:lvl8pPr marL="3429000" indent="-228600" eaLnBrk="0" fontAlgn="base" hangingPunct="0">
+              <a:spcBef>
+                <a:spcPct val="0"/>
+              </a:spcBef>
+              <a:spcAft>
+                <a:spcPct val="0"/>
+              </a:spcAft>
+              <a:defRPr>
+                <a:solidFill>
+                  <a:schemeClr val="tx1"/>
+                </a:solidFill>
+                <a:latin typeface="Calibri" panose="020F0502020204030204" pitchFamily="34" charset="0"/>
+              </a:defRPr>
+            </a:lvl8pPr>
+            <a:lvl9pPr marL="3886200" indent="-228600" eaLnBrk="0" fontAlgn="base" hangingPunct="0">
+              <a:spcBef>
+                <a:spcPct val="0"/>
+              </a:spcBef>
+              <a:spcAft>
+                <a:spcPct val="0"/>
+              </a:spcAft>
+              <a:defRPr>
+                <a:solidFill>
+                  <a:schemeClr val="tx1"/>
+                </a:solidFill>
+                <a:latin typeface="Calibri" panose="020F0502020204030204" pitchFamily="34" charset="0"/>
+              </a:defRPr>
+            </a:lvl9pPr>
+          </a:lstStyle>
+          <a:p>
+            <a:pPr algn="ctr" eaLnBrk="1" hangingPunct="1"/>
+            <a:r>
+              <a:rPr lang="en-US" altLang="en-US" sz="1200" dirty="0">
+                <a:latin typeface="Arial" panose="020B0604020202020204" pitchFamily="34" charset="0"/>
+                <a:ea typeface="Amazon Ember" panose="020B0603020204020204" pitchFamily="34" charset="0"/>
+                <a:cs typeface="Arial" panose="020B0604020202020204" pitchFamily="34" charset="0"/>
+              </a:rPr>
+              <a:t>AWS IoT SiteWise</a:t>
             </a:r>
           </a:p>
         </p:txBody>
